--- a/暗号通信について.pptx
+++ b/暗号通信について.pptx
@@ -104,6 +104,11 @@
       </a:defRPr>
     </a:lvl9pPr>
   </p:defaultTextStyle>
+  <p:extLst>
+    <p:ext uri="{EFAFB233-063F-42B5-8137-9DF3F51BA10A}">
+      <p15:sldGuideLst xmlns:p15="http://schemas.microsoft.com/office/powerpoint/2012/main"/>
+    </p:ext>
+  </p:extLst>
 </p:presentation>
 </file>
 
@@ -3623,7 +3628,7 @@
         </p:nvSpPr>
         <p:spPr>
           <a:xfrm>
-            <a:off x="3650345" y="262304"/>
+            <a:off x="3850644" y="262304"/>
             <a:ext cx="1569660" cy="369332"/>
           </a:xfrm>
           <a:prstGeom prst="rect">
@@ -3658,7 +3663,7 @@
         </p:nvSpPr>
         <p:spPr>
           <a:xfrm>
-            <a:off x="9781396" y="262304"/>
+            <a:off x="9981695" y="262304"/>
             <a:ext cx="877163" cy="369332"/>
           </a:xfrm>
           <a:prstGeom prst="rect">
@@ -3695,7 +3700,7 @@
         </p:nvCxnSpPr>
         <p:spPr>
           <a:xfrm>
-            <a:off x="4419426" y="631636"/>
+            <a:off x="4619725" y="631636"/>
             <a:ext cx="0" cy="4423444"/>
           </a:xfrm>
           <a:prstGeom prst="straightConnector1">
@@ -3737,7 +3742,7 @@
         </p:nvCxnSpPr>
         <p:spPr>
           <a:xfrm flipH="1">
-            <a:off x="10219977" y="631636"/>
+            <a:off x="10420276" y="631636"/>
             <a:ext cx="1" cy="4423444"/>
           </a:xfrm>
           <a:prstGeom prst="straightConnector1">
@@ -3776,8 +3781,8 @@
         </p:nvSpPr>
         <p:spPr>
           <a:xfrm>
-            <a:off x="6179288" y="676939"/>
-            <a:ext cx="2441694" cy="369332"/>
+            <a:off x="6379587" y="676939"/>
+            <a:ext cx="877163" cy="369332"/>
           </a:xfrm>
           <a:prstGeom prst="rect">
             <a:avLst/>
@@ -3791,24 +3796,8 @@
           <a:lstStyle/>
           <a:p>
             <a:r>
-              <a:rPr kumimoji="1" lang="ja-JP" altLang="en-US" dirty="0"/>
-              <a:t>サーバ</a:t>
-            </a:r>
-            <a:r>
-              <a:rPr lang="ja-JP" altLang="en-US" dirty="0"/>
-              <a:t>証明書</a:t>
-            </a:r>
-            <a:r>
-              <a:rPr lang="en-US" altLang="ja-JP" dirty="0"/>
-              <a:t>(</a:t>
-            </a:r>
-            <a:r>
               <a:rPr lang="ja-JP" altLang="en-US" dirty="0"/>
               <a:t>公開鍵</a:t>
-            </a:r>
-            <a:r>
-              <a:rPr lang="en-US" altLang="ja-JP" dirty="0"/>
-              <a:t>)</a:t>
             </a:r>
             <a:endParaRPr kumimoji="1" lang="ja-JP" altLang="en-US" dirty="0"/>
           </a:p>
@@ -3830,7 +3819,7 @@
         </p:nvCxnSpPr>
         <p:spPr>
           <a:xfrm flipH="1">
-            <a:off x="4858007" y="1046271"/>
+            <a:off x="5058306" y="1046271"/>
             <a:ext cx="5084256" cy="0"/>
           </a:xfrm>
           <a:prstGeom prst="straightConnector1">
@@ -3871,7 +3860,7 @@
         </p:nvCxnSpPr>
         <p:spPr>
           <a:xfrm>
-            <a:off x="4858007" y="1864583"/>
+            <a:off x="5058306" y="1864583"/>
             <a:ext cx="5084255" cy="0"/>
           </a:xfrm>
           <a:prstGeom prst="straightConnector1">
@@ -3910,7 +3899,7 @@
         </p:nvSpPr>
         <p:spPr>
           <a:xfrm>
-            <a:off x="5576559" y="1402102"/>
+            <a:off x="5776858" y="1402102"/>
             <a:ext cx="3647152" cy="369332"/>
           </a:xfrm>
           <a:prstGeom prst="rect">
@@ -3945,7 +3934,7 @@
         </p:nvSpPr>
         <p:spPr>
           <a:xfrm>
-            <a:off x="5345958" y="3255756"/>
+            <a:off x="5546257" y="3255756"/>
             <a:ext cx="4275529" cy="369332"/>
           </a:xfrm>
           <a:prstGeom prst="rect">
@@ -3990,7 +3979,7 @@
         </p:nvCxnSpPr>
         <p:spPr>
           <a:xfrm>
-            <a:off x="4858008" y="3625088"/>
+            <a:off x="5058307" y="3625088"/>
             <a:ext cx="5008608" cy="0"/>
           </a:xfrm>
           <a:prstGeom prst="straightConnector1">
@@ -4083,6 +4072,196 @@
               <a:t>…</a:t>
             </a:r>
             <a:endParaRPr lang="ja-JP" altLang="en-US" dirty="0"/>
+          </a:p>
+        </p:txBody>
+      </p:sp>
+      <p:sp>
+        <p:nvSpPr>
+          <p:cNvPr id="3" name="テキスト ボックス 2">
+            <a:extLst>
+              <a:ext uri="{FF2B5EF4-FFF2-40B4-BE49-F238E27FC236}">
+                <a16:creationId xmlns:a16="http://schemas.microsoft.com/office/drawing/2014/main" id="{AEA5098E-D08A-3416-AE6D-6386A5A44F79}"/>
+              </a:ext>
+            </a:extLst>
+          </p:cNvPr>
+          <p:cNvSpPr txBox="1"/>
+          <p:nvPr/>
+        </p:nvSpPr>
+        <p:spPr>
+          <a:xfrm>
+            <a:off x="150933" y="2188323"/>
+            <a:ext cx="2723823" cy="369332"/>
+          </a:xfrm>
+          <a:prstGeom prst="rect">
+            <a:avLst/>
+          </a:prstGeom>
+          <a:noFill/>
+        </p:spPr>
+        <p:txBody>
+          <a:bodyPr wrap="none" rtlCol="0">
+            <a:spAutoFit/>
+          </a:bodyPr>
+          <a:lstStyle/>
+          <a:p>
+            <a:r>
+              <a:rPr kumimoji="1" lang="ja-JP" altLang="en-US" dirty="0"/>
+              <a:t>信頼できる公開鍵リスト</a:t>
+            </a:r>
+          </a:p>
+        </p:txBody>
+      </p:sp>
+      <p:pic>
+        <p:nvPicPr>
+          <p:cNvPr id="7" name="グラフィックス 6" descr="リスト 枠線">
+            <a:extLst>
+              <a:ext uri="{FF2B5EF4-FFF2-40B4-BE49-F238E27FC236}">
+                <a16:creationId xmlns:a16="http://schemas.microsoft.com/office/drawing/2014/main" id="{7A08E77D-3083-AD6B-C7B7-4C795E61250B}"/>
+              </a:ext>
+            </a:extLst>
+          </p:cNvPr>
+          <p:cNvPicPr>
+            <a:picLocks noChangeAspect="1"/>
+          </p:cNvPicPr>
+          <p:nvPr/>
+        </p:nvPicPr>
+        <p:blipFill>
+          <a:blip r:embed="rId2">
+            <a:extLst>
+              <a:ext uri="{28A0092B-C50C-407E-A947-70E740481C1C}">
+                <a14:useLocalDpi xmlns:a14="http://schemas.microsoft.com/office/drawing/2010/main" val="0"/>
+              </a:ext>
+              <a:ext uri="{96DAC541-7B7A-43D3-8B79-37D633B846F1}">
+                <asvg:svgBlip xmlns:asvg="http://schemas.microsoft.com/office/drawing/2016/SVG/main" r:embed="rId3"/>
+              </a:ext>
+            </a:extLst>
+          </a:blip>
+          <a:stretch>
+            <a:fillRect/>
+          </a:stretch>
+        </p:blipFill>
+        <p:spPr>
+          <a:xfrm>
+            <a:off x="1455814" y="2448217"/>
+            <a:ext cx="914400" cy="914400"/>
+          </a:xfrm>
+          <a:prstGeom prst="rect">
+            <a:avLst/>
+          </a:prstGeom>
+        </p:spPr>
+      </p:pic>
+      <p:sp>
+        <p:nvSpPr>
+          <p:cNvPr id="9" name="テキスト ボックス 8">
+            <a:extLst>
+              <a:ext uri="{FF2B5EF4-FFF2-40B4-BE49-F238E27FC236}">
+                <a16:creationId xmlns:a16="http://schemas.microsoft.com/office/drawing/2014/main" id="{9C8E2969-E86C-DE0F-46B9-3231A2D20E9B}"/>
+              </a:ext>
+            </a:extLst>
+          </p:cNvPr>
+          <p:cNvSpPr txBox="1"/>
+          <p:nvPr/>
+        </p:nvSpPr>
+        <p:spPr>
+          <a:xfrm>
+            <a:off x="126707" y="307607"/>
+            <a:ext cx="3416320" cy="369332"/>
+          </a:xfrm>
+          <a:prstGeom prst="rect">
+            <a:avLst/>
+          </a:prstGeom>
+          <a:noFill/>
+        </p:spPr>
+        <p:txBody>
+          <a:bodyPr wrap="none" rtlCol="0">
+            <a:spAutoFit/>
+          </a:bodyPr>
+          <a:lstStyle/>
+          <a:p>
+            <a:r>
+              <a:rPr lang="ja-JP" altLang="en-US" dirty="0"/>
+              <a:t>特製！なんぼかまし暗号方式！</a:t>
+            </a:r>
+            <a:endParaRPr kumimoji="1" lang="ja-JP" altLang="en-US" dirty="0"/>
+          </a:p>
+        </p:txBody>
+      </p:sp>
+      <p:cxnSp>
+        <p:nvCxnSpPr>
+          <p:cNvPr id="12" name="直線矢印コネクタ 11">
+            <a:extLst>
+              <a:ext uri="{FF2B5EF4-FFF2-40B4-BE49-F238E27FC236}">
+                <a16:creationId xmlns:a16="http://schemas.microsoft.com/office/drawing/2014/main" id="{632DB641-DB43-1D97-F55E-D2D9ED4A7185}"/>
+              </a:ext>
+            </a:extLst>
+          </p:cNvPr>
+          <p:cNvCxnSpPr>
+            <a:cxnSpLocks/>
+          </p:cNvCxnSpPr>
+          <p:nvPr/>
+        </p:nvCxnSpPr>
+        <p:spPr>
+          <a:xfrm flipH="1">
+            <a:off x="2647928" y="861605"/>
+            <a:ext cx="3639661" cy="1981753"/>
+          </a:xfrm>
+          <a:prstGeom prst="straightConnector1">
+            <a:avLst/>
+          </a:prstGeom>
+          <a:ln>
+            <a:solidFill>
+              <a:schemeClr val="tx1"/>
+            </a:solidFill>
+            <a:headEnd type="triangle"/>
+            <a:tailEnd type="triangle"/>
+          </a:ln>
+        </p:spPr>
+        <p:style>
+          <a:lnRef idx="1">
+            <a:schemeClr val="accent1"/>
+          </a:lnRef>
+          <a:fillRef idx="0">
+            <a:schemeClr val="accent1"/>
+          </a:fillRef>
+          <a:effectRef idx="0">
+            <a:schemeClr val="accent1"/>
+          </a:effectRef>
+          <a:fontRef idx="minor">
+            <a:schemeClr val="tx1"/>
+          </a:fontRef>
+        </p:style>
+      </p:cxnSp>
+      <p:sp>
+        <p:nvSpPr>
+          <p:cNvPr id="17" name="テキスト ボックス 16">
+            <a:extLst>
+              <a:ext uri="{FF2B5EF4-FFF2-40B4-BE49-F238E27FC236}">
+                <a16:creationId xmlns:a16="http://schemas.microsoft.com/office/drawing/2014/main" id="{167A5CB8-B043-5AB2-D366-B11FBE08EC5C}"/>
+              </a:ext>
+            </a:extLst>
+          </p:cNvPr>
+          <p:cNvSpPr txBox="1"/>
+          <p:nvPr/>
+        </p:nvSpPr>
+        <p:spPr>
+          <a:xfrm rot="19841200">
+            <a:off x="3294849" y="1540495"/>
+            <a:ext cx="1800493" cy="369332"/>
+          </a:xfrm>
+          <a:prstGeom prst="rect">
+            <a:avLst/>
+          </a:prstGeom>
+          <a:noFill/>
+        </p:spPr>
+        <p:txBody>
+          <a:bodyPr wrap="none" rtlCol="0">
+            <a:spAutoFit/>
+          </a:bodyPr>
+          <a:lstStyle/>
+          <a:p>
+            <a:r>
+              <a:rPr kumimoji="1" lang="ja-JP" altLang="en-US" dirty="0"/>
+              <a:t>一致するか確認</a:t>
+            </a:r>
           </a:p>
         </p:txBody>
       </p:sp>

--- a/暗号通信について.pptx
+++ b/暗号通信について.pptx
@@ -3616,6 +3616,58 @@
       </p:grpSpPr>
       <p:sp>
         <p:nvSpPr>
+          <p:cNvPr id="2" name="正方形/長方形 1">
+            <a:extLst>
+              <a:ext uri="{FF2B5EF4-FFF2-40B4-BE49-F238E27FC236}">
+                <a16:creationId xmlns:a16="http://schemas.microsoft.com/office/drawing/2014/main" id="{FF5EE323-986F-574A-AC18-38EFE87D1CA3}"/>
+              </a:ext>
+            </a:extLst>
+          </p:cNvPr>
+          <p:cNvSpPr/>
+          <p:nvPr/>
+        </p:nvSpPr>
+        <p:spPr>
+          <a:xfrm>
+            <a:off x="0" y="0"/>
+            <a:ext cx="12192000" cy="6858000"/>
+          </a:xfrm>
+          <a:prstGeom prst="rect">
+            <a:avLst/>
+          </a:prstGeom>
+          <a:solidFill>
+            <a:schemeClr val="bg1"/>
+          </a:solidFill>
+          <a:ln>
+            <a:noFill/>
+          </a:ln>
+        </p:spPr>
+        <p:style>
+          <a:lnRef idx="2">
+            <a:schemeClr val="accent1">
+              <a:shade val="15000"/>
+            </a:schemeClr>
+          </a:lnRef>
+          <a:fillRef idx="1">
+            <a:schemeClr val="accent1"/>
+          </a:fillRef>
+          <a:effectRef idx="0">
+            <a:schemeClr val="accent1"/>
+          </a:effectRef>
+          <a:fontRef idx="minor">
+            <a:schemeClr val="lt1"/>
+          </a:fontRef>
+        </p:style>
+        <p:txBody>
+          <a:bodyPr rtlCol="0" anchor="ctr"/>
+          <a:lstStyle/>
+          <a:p>
+            <a:pPr algn="ctr"/>
+            <a:endParaRPr kumimoji="1" lang="ja-JP" altLang="en-US"/>
+          </a:p>
+        </p:txBody>
+      </p:sp>
+      <p:sp>
+        <p:nvSpPr>
           <p:cNvPr id="5" name="テキスト ボックス 4">
             <a:extLst>
               <a:ext uri="{FF2B5EF4-FFF2-40B4-BE49-F238E27FC236}">
@@ -4020,7 +4072,7 @@
         <p:spPr>
           <a:xfrm>
             <a:off x="3090777" y="5498868"/>
-            <a:ext cx="4903907" cy="923330"/>
+            <a:ext cx="5262979" cy="923330"/>
           </a:xfrm>
           <a:prstGeom prst="rect">
             <a:avLst/>
@@ -4065,13 +4117,8 @@
           <a:p>
             <a:r>
               <a:rPr lang="ja-JP" altLang="en-US" dirty="0"/>
-              <a:t>秘密鍵漏洩＝＞ルート証明書</a:t>
-            </a:r>
-            <a:r>
-              <a:rPr lang="en-US" altLang="ja-JP" dirty="0"/>
-              <a:t>…</a:t>
-            </a:r>
-            <a:endParaRPr lang="ja-JP" altLang="en-US" dirty="0"/>
+              <a:t>秘密鍵不正使用防止＝＞信頼できる公開鍵リスト</a:t>
+            </a:r>
           </a:p>
         </p:txBody>
       </p:sp>
@@ -4149,42 +4196,6 @@
           </a:prstGeom>
         </p:spPr>
       </p:pic>
-      <p:sp>
-        <p:nvSpPr>
-          <p:cNvPr id="9" name="テキスト ボックス 8">
-            <a:extLst>
-              <a:ext uri="{FF2B5EF4-FFF2-40B4-BE49-F238E27FC236}">
-                <a16:creationId xmlns:a16="http://schemas.microsoft.com/office/drawing/2014/main" id="{9C8E2969-E86C-DE0F-46B9-3231A2D20E9B}"/>
-              </a:ext>
-            </a:extLst>
-          </p:cNvPr>
-          <p:cNvSpPr txBox="1"/>
-          <p:nvPr/>
-        </p:nvSpPr>
-        <p:spPr>
-          <a:xfrm>
-            <a:off x="126707" y="307607"/>
-            <a:ext cx="3416320" cy="369332"/>
-          </a:xfrm>
-          <a:prstGeom prst="rect">
-            <a:avLst/>
-          </a:prstGeom>
-          <a:noFill/>
-        </p:spPr>
-        <p:txBody>
-          <a:bodyPr wrap="none" rtlCol="0">
-            <a:spAutoFit/>
-          </a:bodyPr>
-          <a:lstStyle/>
-          <a:p>
-            <a:r>
-              <a:rPr lang="ja-JP" altLang="en-US" dirty="0"/>
-              <a:t>特製！なんぼかまし暗号方式！</a:t>
-            </a:r>
-            <a:endParaRPr kumimoji="1" lang="ja-JP" altLang="en-US" dirty="0"/>
-          </a:p>
-        </p:txBody>
-      </p:sp>
       <p:cxnSp>
         <p:nvCxnSpPr>
           <p:cNvPr id="12" name="直線矢印コネクタ 11">
@@ -4201,16 +4212,14 @@
         </p:nvCxnSpPr>
         <p:spPr>
           <a:xfrm flipH="1">
-            <a:off x="2647928" y="861605"/>
+            <a:off x="2647930" y="861603"/>
             <a:ext cx="3639661" cy="1981753"/>
           </a:xfrm>
           <a:prstGeom prst="straightConnector1">
             <a:avLst/>
           </a:prstGeom>
           <a:ln>
-            <a:solidFill>
-              <a:schemeClr val="tx1"/>
-            </a:solidFill>
+            <a:prstDash val="lgDash"/>
             <a:headEnd type="triangle"/>
             <a:tailEnd type="triangle"/>
           </a:ln>
